--- a/doc/tex/lib/fork/figures/fork.pptx
+++ b/doc/tex/lib/fork/figures/fork.pptx
@@ -243,7 +243,7 @@
           <a:p>
             <a:fld id="{D49AAB4C-DF2E-47F4-BB84-4452C8A70CAB}" type="datetimeFigureOut">
               <a:rPr lang="pt-PT" smtClean="0"/>
-              <a:t>19/11/2017</a:t>
+              <a:t>21/11/2017</a:t>
             </a:fld>
             <a:endParaRPr lang="pt-PT"/>
           </a:p>
@@ -413,7 +413,7 @@
           <a:p>
             <a:fld id="{D49AAB4C-DF2E-47F4-BB84-4452C8A70CAB}" type="datetimeFigureOut">
               <a:rPr lang="pt-PT" smtClean="0"/>
-              <a:t>19/11/2017</a:t>
+              <a:t>21/11/2017</a:t>
             </a:fld>
             <a:endParaRPr lang="pt-PT"/>
           </a:p>
@@ -593,7 +593,7 @@
           <a:p>
             <a:fld id="{D49AAB4C-DF2E-47F4-BB84-4452C8A70CAB}" type="datetimeFigureOut">
               <a:rPr lang="pt-PT" smtClean="0"/>
-              <a:t>19/11/2017</a:t>
+              <a:t>21/11/2017</a:t>
             </a:fld>
             <a:endParaRPr lang="pt-PT"/>
           </a:p>
@@ -763,7 +763,7 @@
           <a:p>
             <a:fld id="{D49AAB4C-DF2E-47F4-BB84-4452C8A70CAB}" type="datetimeFigureOut">
               <a:rPr lang="pt-PT" smtClean="0"/>
-              <a:t>19/11/2017</a:t>
+              <a:t>21/11/2017</a:t>
             </a:fld>
             <a:endParaRPr lang="pt-PT"/>
           </a:p>
@@ -1009,7 +1009,7 @@
           <a:p>
             <a:fld id="{D49AAB4C-DF2E-47F4-BB84-4452C8A70CAB}" type="datetimeFigureOut">
               <a:rPr lang="pt-PT" smtClean="0"/>
-              <a:t>19/11/2017</a:t>
+              <a:t>21/11/2017</a:t>
             </a:fld>
             <a:endParaRPr lang="pt-PT"/>
           </a:p>
@@ -1241,7 +1241,7 @@
           <a:p>
             <a:fld id="{D49AAB4C-DF2E-47F4-BB84-4452C8A70CAB}" type="datetimeFigureOut">
               <a:rPr lang="pt-PT" smtClean="0"/>
-              <a:t>19/11/2017</a:t>
+              <a:t>21/11/2017</a:t>
             </a:fld>
             <a:endParaRPr lang="pt-PT"/>
           </a:p>
@@ -1608,7 +1608,7 @@
           <a:p>
             <a:fld id="{D49AAB4C-DF2E-47F4-BB84-4452C8A70CAB}" type="datetimeFigureOut">
               <a:rPr lang="pt-PT" smtClean="0"/>
-              <a:t>19/11/2017</a:t>
+              <a:t>21/11/2017</a:t>
             </a:fld>
             <a:endParaRPr lang="pt-PT"/>
           </a:p>
@@ -1726,7 +1726,7 @@
           <a:p>
             <a:fld id="{D49AAB4C-DF2E-47F4-BB84-4452C8A70CAB}" type="datetimeFigureOut">
               <a:rPr lang="pt-PT" smtClean="0"/>
-              <a:t>19/11/2017</a:t>
+              <a:t>21/11/2017</a:t>
             </a:fld>
             <a:endParaRPr lang="pt-PT"/>
           </a:p>
@@ -1821,7 +1821,7 @@
           <a:p>
             <a:fld id="{D49AAB4C-DF2E-47F4-BB84-4452C8A70CAB}" type="datetimeFigureOut">
               <a:rPr lang="pt-PT" smtClean="0"/>
-              <a:t>19/11/2017</a:t>
+              <a:t>21/11/2017</a:t>
             </a:fld>
             <a:endParaRPr lang="pt-PT"/>
           </a:p>
@@ -2098,7 +2098,7 @@
           <a:p>
             <a:fld id="{D49AAB4C-DF2E-47F4-BB84-4452C8A70CAB}" type="datetimeFigureOut">
               <a:rPr lang="pt-PT" smtClean="0"/>
-              <a:t>19/11/2017</a:t>
+              <a:t>21/11/2017</a:t>
             </a:fld>
             <a:endParaRPr lang="pt-PT"/>
           </a:p>
@@ -2351,7 +2351,7 @@
           <a:p>
             <a:fld id="{D49AAB4C-DF2E-47F4-BB84-4452C8A70CAB}" type="datetimeFigureOut">
               <a:rPr lang="pt-PT" smtClean="0"/>
-              <a:t>19/11/2017</a:t>
+              <a:t>21/11/2017</a:t>
             </a:fld>
             <a:endParaRPr lang="pt-PT"/>
           </a:p>
@@ -2564,7 +2564,7 @@
           <a:p>
             <a:fld id="{D49AAB4C-DF2E-47F4-BB84-4452C8A70CAB}" type="datetimeFigureOut">
               <a:rPr lang="pt-PT" smtClean="0"/>
-              <a:t>19/11/2017</a:t>
+              <a:t>21/11/2017</a:t>
             </a:fld>
             <a:endParaRPr lang="pt-PT"/>
           </a:p>
@@ -2969,153 +2969,584 @@
           <a:chExt cx="0" cy="0"/>
         </a:xfrm>
       </p:grpSpPr>
-      <mc:AlternateContent xmlns:mc="http://schemas.openxmlformats.org/markup-compatibility/2006" xmlns:a14="http://schemas.microsoft.com/office/drawing/2010/main">
-        <mc:Choice Requires="a14">
+      <p:grpSp>
+        <p:nvGrpSpPr>
+          <p:cNvPr id="2" name="Group 1"/>
+          <p:cNvGrpSpPr/>
+          <p:nvPr/>
+        </p:nvGrpSpPr>
+        <p:grpSpPr>
+          <a:xfrm>
+            <a:off x="1360281" y="974222"/>
+            <a:ext cx="9515619" cy="4452358"/>
+            <a:chOff x="2053899" y="1968488"/>
+            <a:chExt cx="8008731" cy="2401369"/>
+          </a:xfrm>
+        </p:grpSpPr>
+        <p:cxnSp>
+          <p:nvCxnSpPr>
+            <p:cNvPr id="4" name="Straight Arrow Connector 3"/>
+            <p:cNvCxnSpPr>
+              <a:endCxn id="3" idx="1"/>
+            </p:cNvCxnSpPr>
+            <p:nvPr/>
+          </p:nvCxnSpPr>
+          <p:spPr>
+            <a:xfrm>
+              <a:off x="2662365" y="3169172"/>
+              <a:ext cx="1550711" cy="1"/>
+            </a:xfrm>
+            <a:prstGeom prst="straightConnector1">
+              <a:avLst/>
+            </a:prstGeom>
+            <a:ln w="28575">
+              <a:tailEnd type="triangle"/>
+            </a:ln>
+          </p:spPr>
+          <p:style>
+            <a:lnRef idx="1">
+              <a:schemeClr val="dk1"/>
+            </a:lnRef>
+            <a:fillRef idx="0">
+              <a:schemeClr val="dk1"/>
+            </a:fillRef>
+            <a:effectRef idx="0">
+              <a:schemeClr val="dk1"/>
+            </a:effectRef>
+            <a:fontRef idx="minor">
+              <a:schemeClr val="tx1"/>
+            </a:fontRef>
+          </p:style>
+        </p:cxnSp>
+        <mc:AlternateContent xmlns:mc="http://schemas.openxmlformats.org/markup-compatibility/2006">
+          <mc:Choice xmlns:a14="http://schemas.microsoft.com/office/drawing/2010/main" Requires="a14">
+            <p:sp>
+              <p:nvSpPr>
+                <p:cNvPr id="7" name="TextBox 6"/>
+                <p:cNvSpPr txBox="1"/>
+                <p:nvPr/>
+              </p:nvSpPr>
+              <p:spPr>
+                <a:xfrm>
+                  <a:off x="2053899" y="3044673"/>
+                  <a:ext cx="608467" cy="248998"/>
+                </a:xfrm>
+                <a:prstGeom prst="rect">
+                  <a:avLst/>
+                </a:prstGeom>
+                <a:noFill/>
+              </p:spPr>
+              <p:txBody>
+                <a:bodyPr wrap="none" lIns="0" tIns="0" rIns="0" bIns="0" rtlCol="0">
+                  <a:spAutoFit/>
+                </a:bodyPr>
+                <a:lstStyle/>
+                <a:p>
+                  <a:pPr/>
+                  <a14:m>
+                    <m:oMathPara xmlns:m="http://schemas.openxmlformats.org/officeDocument/2006/math">
+                      <m:oMathParaPr>
+                        <m:jc m:val="centerGroup"/>
+                      </m:oMathParaPr>
+                      <m:oMath xmlns:m="http://schemas.openxmlformats.org/officeDocument/2006/math">
+                        <m:r>
+                          <m:rPr>
+                            <m:sty m:val="p"/>
+                          </m:rPr>
+                          <a:rPr lang="en-US" sz="3000" b="0" i="0" smtClean="0">
+                            <a:latin typeface="Cambria Math" panose="02040503050406030204" pitchFamily="18" charset="0"/>
+                          </a:rPr>
+                          <m:t>x</m:t>
+                        </m:r>
+                        <m:r>
+                          <a:rPr lang="en-US" sz="3000" b="0" i="0" smtClean="0">
+                            <a:latin typeface="Cambria Math" panose="02040503050406030204" pitchFamily="18" charset="0"/>
+                          </a:rPr>
+                          <m:t>(</m:t>
+                        </m:r>
+                        <m:r>
+                          <m:rPr>
+                            <m:sty m:val="p"/>
+                          </m:rPr>
+                          <a:rPr lang="en-US" sz="3000" b="0" i="0" smtClean="0">
+                            <a:latin typeface="Cambria Math" panose="02040503050406030204" pitchFamily="18" charset="0"/>
+                          </a:rPr>
+                          <m:t>t</m:t>
+                        </m:r>
+                        <m:r>
+                          <a:rPr lang="en-US" sz="3000" b="0" i="0" smtClean="0">
+                            <a:latin typeface="Cambria Math" panose="02040503050406030204" pitchFamily="18" charset="0"/>
+                          </a:rPr>
+                          <m:t>)</m:t>
+                        </m:r>
+                      </m:oMath>
+                    </m:oMathPara>
+                  </a14:m>
+                  <a:endParaRPr lang="pt-PT" sz="3000" dirty="0"/>
+                </a:p>
+              </p:txBody>
+            </p:sp>
+          </mc:Choice>
+          <mc:Fallback>
+            <p:sp>
+              <p:nvSpPr>
+                <p:cNvPr id="7" name="TextBox 6"/>
+                <p:cNvSpPr txBox="1">
+                  <a:spLocks noRot="1" noChangeAspect="1" noMove="1" noResize="1" noEditPoints="1" noAdjustHandles="1" noChangeArrowheads="1" noChangeShapeType="1" noTextEdit="1"/>
+                </p:cNvSpPr>
+                <p:nvPr/>
+              </p:nvSpPr>
+              <p:spPr>
+                <a:xfrm>
+                  <a:off x="2053899" y="3044673"/>
+                  <a:ext cx="608467" cy="248998"/>
+                </a:xfrm>
+                <a:prstGeom prst="rect">
+                  <a:avLst/>
+                </a:prstGeom>
+                <a:blipFill>
+                  <a:blip r:embed="rId2"/>
+                  <a:stretch>
+                    <a:fillRect/>
+                  </a:stretch>
+                </a:blipFill>
+              </p:spPr>
+              <p:txBody>
+                <a:bodyPr/>
+                <a:lstStyle/>
+                <a:p>
+                  <a:r>
+                    <a:rPr lang="en-US">
+                      <a:noFill/>
+                    </a:rPr>
+                    <a:t> </a:t>
+                  </a:r>
+                </a:p>
+              </p:txBody>
+            </p:sp>
+          </mc:Fallback>
+        </mc:AlternateContent>
+        <mc:AlternateContent xmlns:mc="http://schemas.openxmlformats.org/markup-compatibility/2006">
+          <mc:Choice xmlns:a14="http://schemas.microsoft.com/office/drawing/2010/main" Requires="a14">
+            <p:sp>
+              <p:nvSpPr>
+                <p:cNvPr id="27" name="TextBox 26"/>
+                <p:cNvSpPr txBox="1"/>
+                <p:nvPr/>
+              </p:nvSpPr>
+              <p:spPr>
+                <a:xfrm>
+                  <a:off x="9372725" y="2447336"/>
+                  <a:ext cx="689905" cy="248998"/>
+                </a:xfrm>
+                <a:prstGeom prst="rect">
+                  <a:avLst/>
+                </a:prstGeom>
+                <a:noFill/>
+              </p:spPr>
+              <p:txBody>
+                <a:bodyPr wrap="square" lIns="0" tIns="0" rIns="0" bIns="0" rtlCol="0">
+                  <a:spAutoFit/>
+                </a:bodyPr>
+                <a:lstStyle/>
+                <a:p>
+                  <a:pPr/>
+                  <a14:m>
+                    <m:oMathPara xmlns:m="http://schemas.openxmlformats.org/officeDocument/2006/math">
+                      <m:oMathParaPr>
+                        <m:jc m:val="centerGroup"/>
+                      </m:oMathParaPr>
+                      <m:oMath xmlns:m="http://schemas.openxmlformats.org/officeDocument/2006/math">
+                        <m:r>
+                          <m:rPr>
+                            <m:sty m:val="p"/>
+                          </m:rPr>
+                          <a:rPr lang="en-US" sz="3000" b="0" i="0" smtClean="0">
+                            <a:latin typeface="Cambria Math" panose="02040503050406030204" pitchFamily="18" charset="0"/>
+                          </a:rPr>
+                          <m:t>x</m:t>
+                        </m:r>
+                        <m:r>
+                          <a:rPr lang="en-US" sz="3000" b="0" i="0" smtClean="0">
+                            <a:latin typeface="Cambria Math" panose="02040503050406030204" pitchFamily="18" charset="0"/>
+                          </a:rPr>
+                          <m:t>(</m:t>
+                        </m:r>
+                        <m:r>
+                          <m:rPr>
+                            <m:sty m:val="p"/>
+                          </m:rPr>
+                          <a:rPr lang="en-US" sz="3000" b="0" i="0" smtClean="0">
+                            <a:latin typeface="Cambria Math" panose="02040503050406030204" pitchFamily="18" charset="0"/>
+                          </a:rPr>
+                          <m:t>t</m:t>
+                        </m:r>
+                        <m:r>
+                          <a:rPr lang="en-US" sz="3000" b="0" i="0" smtClean="0">
+                            <a:latin typeface="Cambria Math" panose="02040503050406030204" pitchFamily="18" charset="0"/>
+                          </a:rPr>
+                          <m:t>)</m:t>
+                        </m:r>
+                      </m:oMath>
+                    </m:oMathPara>
+                  </a14:m>
+                  <a:endParaRPr lang="pt-PT" sz="3000" dirty="0"/>
+                </a:p>
+              </p:txBody>
+            </p:sp>
+          </mc:Choice>
+          <mc:Fallback>
+            <p:sp>
+              <p:nvSpPr>
+                <p:cNvPr id="27" name="TextBox 26"/>
+                <p:cNvSpPr txBox="1">
+                  <a:spLocks noRot="1" noChangeAspect="1" noMove="1" noResize="1" noEditPoints="1" noAdjustHandles="1" noChangeArrowheads="1" noChangeShapeType="1" noTextEdit="1"/>
+                </p:cNvSpPr>
+                <p:nvPr/>
+              </p:nvSpPr>
+              <p:spPr>
+                <a:xfrm>
+                  <a:off x="9372725" y="2447336"/>
+                  <a:ext cx="689905" cy="248998"/>
+                </a:xfrm>
+                <a:prstGeom prst="rect">
+                  <a:avLst/>
+                </a:prstGeom>
+                <a:blipFill>
+                  <a:blip r:embed="rId3"/>
+                  <a:stretch>
+                    <a:fillRect/>
+                  </a:stretch>
+                </a:blipFill>
+              </p:spPr>
+              <p:txBody>
+                <a:bodyPr/>
+                <a:lstStyle/>
+                <a:p>
+                  <a:r>
+                    <a:rPr lang="en-US">
+                      <a:noFill/>
+                    </a:rPr>
+                    <a:t> </a:t>
+                  </a:r>
+                </a:p>
+              </p:txBody>
+            </p:sp>
+          </mc:Fallback>
+        </mc:AlternateContent>
+        <p:cxnSp>
+          <p:nvCxnSpPr>
+            <p:cNvPr id="28" name="Straight Arrow Connector 27"/>
+            <p:cNvCxnSpPr/>
+            <p:nvPr/>
+          </p:nvCxnSpPr>
+          <p:spPr>
+            <a:xfrm>
+              <a:off x="7896314" y="2571835"/>
+              <a:ext cx="1435693" cy="449"/>
+            </a:xfrm>
+            <a:prstGeom prst="straightConnector1">
+              <a:avLst/>
+            </a:prstGeom>
+            <a:ln w="28575">
+              <a:tailEnd type="triangle"/>
+            </a:ln>
+          </p:spPr>
+          <p:style>
+            <a:lnRef idx="1">
+              <a:schemeClr val="dk1"/>
+            </a:lnRef>
+            <a:fillRef idx="0">
+              <a:schemeClr val="dk1"/>
+            </a:fillRef>
+            <a:effectRef idx="0">
+              <a:schemeClr val="dk1"/>
+            </a:effectRef>
+            <a:fontRef idx="minor">
+              <a:schemeClr val="tx1"/>
+            </a:fontRef>
+          </p:style>
+        </p:cxnSp>
+        <mc:AlternateContent xmlns:mc="http://schemas.openxmlformats.org/markup-compatibility/2006">
+          <mc:Choice xmlns:a14="http://schemas.microsoft.com/office/drawing/2010/main" Requires="a14">
+            <p:sp>
+              <p:nvSpPr>
+                <p:cNvPr id="31" name="TextBox 30"/>
+                <p:cNvSpPr txBox="1"/>
+                <p:nvPr/>
+              </p:nvSpPr>
+              <p:spPr>
+                <a:xfrm>
+                  <a:off x="9372725" y="3719234"/>
+                  <a:ext cx="608467" cy="248998"/>
+                </a:xfrm>
+                <a:prstGeom prst="rect">
+                  <a:avLst/>
+                </a:prstGeom>
+                <a:noFill/>
+              </p:spPr>
+              <p:txBody>
+                <a:bodyPr wrap="none" lIns="0" tIns="0" rIns="0" bIns="0" rtlCol="0">
+                  <a:spAutoFit/>
+                </a:bodyPr>
+                <a:lstStyle/>
+                <a:p>
+                  <a:pPr/>
+                  <a14:m>
+                    <m:oMathPara xmlns:m="http://schemas.openxmlformats.org/officeDocument/2006/math">
+                      <m:oMathParaPr>
+                        <m:jc m:val="centerGroup"/>
+                      </m:oMathParaPr>
+                      <m:oMath xmlns:m="http://schemas.openxmlformats.org/officeDocument/2006/math">
+                        <m:r>
+                          <m:rPr>
+                            <m:sty m:val="p"/>
+                          </m:rPr>
+                          <a:rPr lang="en-US" sz="3000" b="0" i="0" smtClean="0">
+                            <a:latin typeface="Cambria Math" panose="02040503050406030204" pitchFamily="18" charset="0"/>
+                          </a:rPr>
+                          <m:t>x</m:t>
+                        </m:r>
+                        <m:r>
+                          <a:rPr lang="en-US" sz="3000" b="0" i="0" smtClean="0">
+                            <a:latin typeface="Cambria Math" panose="02040503050406030204" pitchFamily="18" charset="0"/>
+                          </a:rPr>
+                          <m:t>(</m:t>
+                        </m:r>
+                        <m:r>
+                          <m:rPr>
+                            <m:sty m:val="p"/>
+                          </m:rPr>
+                          <a:rPr lang="en-US" sz="3000" b="0" i="0" smtClean="0">
+                            <a:latin typeface="Cambria Math" panose="02040503050406030204" pitchFamily="18" charset="0"/>
+                          </a:rPr>
+                          <m:t>t</m:t>
+                        </m:r>
+                        <m:r>
+                          <a:rPr lang="en-US" sz="3000" b="0" i="0" smtClean="0">
+                            <a:latin typeface="Cambria Math" panose="02040503050406030204" pitchFamily="18" charset="0"/>
+                          </a:rPr>
+                          <m:t>)</m:t>
+                        </m:r>
+                      </m:oMath>
+                    </m:oMathPara>
+                  </a14:m>
+                  <a:endParaRPr lang="pt-PT" sz="3000" dirty="0"/>
+                </a:p>
+              </p:txBody>
+            </p:sp>
+          </mc:Choice>
+          <mc:Fallback>
+            <p:sp>
+              <p:nvSpPr>
+                <p:cNvPr id="31" name="TextBox 30"/>
+                <p:cNvSpPr txBox="1">
+                  <a:spLocks noRot="1" noChangeAspect="1" noMove="1" noResize="1" noEditPoints="1" noAdjustHandles="1" noChangeArrowheads="1" noChangeShapeType="1" noTextEdit="1"/>
+                </p:cNvSpPr>
+                <p:nvPr/>
+              </p:nvSpPr>
+              <p:spPr>
+                <a:xfrm>
+                  <a:off x="9372725" y="3719234"/>
+                  <a:ext cx="608467" cy="248998"/>
+                </a:xfrm>
+                <a:prstGeom prst="rect">
+                  <a:avLst/>
+                </a:prstGeom>
+                <a:blipFill>
+                  <a:blip r:embed="rId4"/>
+                  <a:stretch>
+                    <a:fillRect/>
+                  </a:stretch>
+                </a:blipFill>
+              </p:spPr>
+              <p:txBody>
+                <a:bodyPr/>
+                <a:lstStyle/>
+                <a:p>
+                  <a:r>
+                    <a:rPr lang="en-US">
+                      <a:noFill/>
+                    </a:rPr>
+                    <a:t> </a:t>
+                  </a:r>
+                </a:p>
+              </p:txBody>
+            </p:sp>
+          </mc:Fallback>
+        </mc:AlternateContent>
+        <p:sp>
+          <p:nvSpPr>
+            <p:cNvPr id="3" name="Rounded Rectangle 2"/>
+            <p:cNvSpPr/>
+            <p:nvPr/>
+          </p:nvSpPr>
+          <p:spPr>
+            <a:xfrm>
+              <a:off x="4213076" y="1968488"/>
+              <a:ext cx="3683238" cy="2401369"/>
+            </a:xfrm>
+            <a:prstGeom prst="roundRect">
+              <a:avLst/>
+            </a:prstGeom>
+            <a:ln w="28575"/>
+          </p:spPr>
+          <p:style>
+            <a:lnRef idx="2">
+              <a:schemeClr val="dk1"/>
+            </a:lnRef>
+            <a:fillRef idx="1">
+              <a:schemeClr val="lt1"/>
+            </a:fillRef>
+            <a:effectRef idx="0">
+              <a:schemeClr val="dk1"/>
+            </a:effectRef>
+            <a:fontRef idx="minor">
+              <a:schemeClr val="dk1"/>
+            </a:fontRef>
+          </p:style>
+          <p:txBody>
+            <a:bodyPr rtlCol="0" anchor="ctr"/>
+            <a:lstStyle/>
+            <a:p>
+              <a:pPr algn="ctr"/>
+              <a:endParaRPr lang="en-US"/>
+            </a:p>
+          </p:txBody>
+        </p:sp>
+        <p:cxnSp>
+          <p:nvCxnSpPr>
+            <p:cNvPr id="13" name="Straight Arrow Connector 12"/>
+            <p:cNvCxnSpPr/>
+            <p:nvPr/>
+          </p:nvCxnSpPr>
+          <p:spPr>
+            <a:xfrm>
+              <a:off x="7896314" y="3843734"/>
+              <a:ext cx="1435693" cy="449"/>
+            </a:xfrm>
+            <a:prstGeom prst="straightConnector1">
+              <a:avLst/>
+            </a:prstGeom>
+            <a:ln w="28575">
+              <a:tailEnd type="triangle"/>
+            </a:ln>
+          </p:spPr>
+          <p:style>
+            <a:lnRef idx="1">
+              <a:schemeClr val="dk1"/>
+            </a:lnRef>
+            <a:fillRef idx="0">
+              <a:schemeClr val="dk1"/>
+            </a:fillRef>
+            <a:effectRef idx="0">
+              <a:schemeClr val="dk1"/>
+            </a:effectRef>
+            <a:fontRef idx="minor">
+              <a:schemeClr val="tx1"/>
+            </a:fontRef>
+          </p:style>
+        </p:cxnSp>
+        <mc:AlternateContent xmlns:mc="http://schemas.openxmlformats.org/markup-compatibility/2006">
+          <mc:Choice xmlns:a14="http://schemas.microsoft.com/office/drawing/2010/main" Requires="a14">
+            <p:sp>
+              <p:nvSpPr>
+                <p:cNvPr id="14" name="TextBox 13"/>
+                <p:cNvSpPr txBox="1"/>
+                <p:nvPr/>
+              </p:nvSpPr>
+              <p:spPr>
+                <a:xfrm>
+                  <a:off x="5572092" y="3028073"/>
+                  <a:ext cx="965204" cy="282197"/>
+                </a:xfrm>
+                <a:prstGeom prst="rect">
+                  <a:avLst/>
+                </a:prstGeom>
+                <a:noFill/>
+              </p:spPr>
+              <p:txBody>
+                <a:bodyPr wrap="square" lIns="0" tIns="0" rIns="0" bIns="0" rtlCol="0">
+                  <a:spAutoFit/>
+                </a:bodyPr>
+                <a:lstStyle/>
+                <a:p>
+                  <a:pPr/>
+                  <a14:m>
+                    <m:oMathPara xmlns:m="http://schemas.openxmlformats.org/officeDocument/2006/math">
+                      <m:oMathParaPr>
+                        <m:jc m:val="centerGroup"/>
+                      </m:oMathParaPr>
+                      <m:oMath xmlns:m="http://schemas.openxmlformats.org/officeDocument/2006/math">
+                        <m:r>
+                          <m:rPr>
+                            <m:sty m:val="p"/>
+                          </m:rPr>
+                          <a:rPr lang="en-US" sz="3400" b="0" i="0" smtClean="0">
+                            <a:latin typeface="Cambria Math" panose="02040503050406030204" pitchFamily="18" charset="0"/>
+                          </a:rPr>
+                          <m:t>Fork</m:t>
+                        </m:r>
+                      </m:oMath>
+                    </m:oMathPara>
+                  </a14:m>
+                  <a:endParaRPr lang="pt-PT" sz="3400" dirty="0"/>
+                </a:p>
+              </p:txBody>
+            </p:sp>
+          </mc:Choice>
+          <mc:Fallback>
+            <p:sp>
+              <p:nvSpPr>
+                <p:cNvPr id="14" name="TextBox 13"/>
+                <p:cNvSpPr txBox="1">
+                  <a:spLocks noRot="1" noChangeAspect="1" noMove="1" noResize="1" noEditPoints="1" noAdjustHandles="1" noChangeArrowheads="1" noChangeShapeType="1" noTextEdit="1"/>
+                </p:cNvSpPr>
+                <p:nvPr/>
+              </p:nvSpPr>
+              <p:spPr>
+                <a:xfrm>
+                  <a:off x="5572092" y="3028073"/>
+                  <a:ext cx="965204" cy="282197"/>
+                </a:xfrm>
+                <a:prstGeom prst="rect">
+                  <a:avLst/>
+                </a:prstGeom>
+                <a:blipFill>
+                  <a:blip r:embed="rId5"/>
+                  <a:stretch>
+                    <a:fillRect/>
+                  </a:stretch>
+                </a:blipFill>
+              </p:spPr>
+              <p:txBody>
+                <a:bodyPr/>
+                <a:lstStyle/>
+                <a:p>
+                  <a:r>
+                    <a:rPr lang="en-US">
+                      <a:noFill/>
+                    </a:rPr>
+                    <a:t> </a:t>
+                  </a:r>
+                </a:p>
+              </p:txBody>
+            </p:sp>
+          </mc:Fallback>
+        </mc:AlternateContent>
+      </p:grpSp>
+      <mc:AlternateContent xmlns:mc="http://schemas.openxmlformats.org/markup-compatibility/2006">
+        <mc:Choice xmlns:a14="http://schemas.microsoft.com/office/drawing/2010/main" Requires="a14">
           <p:sp>
             <p:nvSpPr>
-              <p:cNvPr id="2" name="Rectangle 1"/>
-              <p:cNvSpPr/>
-              <p:nvPr/>
-            </p:nvSpPr>
-            <p:spPr>
-              <a:xfrm>
-                <a:off x="3016156" y="791569"/>
-                <a:ext cx="6086901" cy="5308979"/>
-              </a:xfrm>
-              <a:prstGeom prst="rect">
-                <a:avLst/>
-              </a:prstGeom>
-              <a:ln w="28575"/>
-            </p:spPr>
-            <p:style>
-              <a:lnRef idx="2">
-                <a:schemeClr val="dk1"/>
-              </a:lnRef>
-              <a:fillRef idx="1">
-                <a:schemeClr val="lt1"/>
-              </a:fillRef>
-              <a:effectRef idx="0">
-                <a:schemeClr val="dk1"/>
-              </a:effectRef>
-              <a:fontRef idx="minor">
-                <a:schemeClr val="dk1"/>
-              </a:fontRef>
-            </p:style>
-            <p:txBody>
-              <a:bodyPr rtlCol="0" anchor="ctr"/>
-              <a:lstStyle/>
-              <a:p>
-                <a:pPr algn="ctr"/>
-                <a14:m>
-                  <m:oMathPara xmlns:m="http://schemas.openxmlformats.org/officeDocument/2006/math">
-                    <m:oMathParaPr>
-                      <m:jc m:val="centerGroup"/>
-                    </m:oMathParaPr>
-                    <m:oMath xmlns:m="http://schemas.openxmlformats.org/officeDocument/2006/math">
-                      <m:r>
-                        <m:rPr>
-                          <m:sty m:val="p"/>
-                        </m:rPr>
-                        <a:rPr lang="en-US" sz="9600" b="0" i="0" smtClean="0">
-                          <a:latin typeface="Cambria Math" panose="02040503050406030204" pitchFamily="18" charset="0"/>
-                        </a:rPr>
-                        <m:t>Fork</m:t>
-                      </m:r>
-                    </m:oMath>
-                  </m:oMathPara>
-                </a14:m>
-                <a:endParaRPr lang="pt-PT" sz="9600" dirty="0"/>
-              </a:p>
-            </p:txBody>
-          </p:sp>
-        </mc:Choice>
-        <mc:Fallback xmlns="">
-          <p:sp>
-            <p:nvSpPr>
-              <p:cNvPr id="2" name="Rectangle 1"/>
-              <p:cNvSpPr>
-                <a:spLocks noRot="1" noChangeAspect="1" noMove="1" noResize="1" noEditPoints="1" noAdjustHandles="1" noChangeArrowheads="1" noChangeShapeType="1" noTextEdit="1"/>
-              </p:cNvSpPr>
-              <p:nvPr/>
-            </p:nvSpPr>
-            <p:spPr>
-              <a:xfrm>
-                <a:off x="3016156" y="791569"/>
-                <a:ext cx="6086901" cy="5308979"/>
-              </a:xfrm>
-              <a:prstGeom prst="rect">
-                <a:avLst/>
-              </a:prstGeom>
-              <a:blipFill>
-                <a:blip r:embed="rId2"/>
-                <a:stretch>
-                  <a:fillRect/>
-                </a:stretch>
-              </a:blipFill>
-              <a:ln w="28575"/>
-            </p:spPr>
-            <p:txBody>
-              <a:bodyPr/>
-              <a:lstStyle/>
-              <a:p>
-                <a:r>
-                  <a:rPr lang="pt-PT">
-                    <a:noFill/>
-                  </a:rPr>
-                  <a:t> </a:t>
-                </a:r>
-              </a:p>
-            </p:txBody>
-          </p:sp>
-        </mc:Fallback>
-      </mc:AlternateContent>
-      <p:cxnSp>
-        <p:nvCxnSpPr>
-          <p:cNvPr id="4" name="Straight Arrow Connector 3"/>
-          <p:cNvCxnSpPr>
-            <a:endCxn id="2" idx="1"/>
-          </p:cNvCxnSpPr>
-          <p:nvPr/>
-        </p:nvCxnSpPr>
-        <p:spPr>
-          <a:xfrm>
-            <a:off x="368490" y="3446058"/>
-            <a:ext cx="2647666" cy="1"/>
-          </a:xfrm>
-          <a:prstGeom prst="straightConnector1">
-            <a:avLst/>
-          </a:prstGeom>
-          <a:ln w="28575">
-            <a:tailEnd type="triangle"/>
-          </a:ln>
-        </p:spPr>
-        <p:style>
-          <a:lnRef idx="1">
-            <a:schemeClr val="dk1"/>
-          </a:lnRef>
-          <a:fillRef idx="0">
-            <a:schemeClr val="dk1"/>
-          </a:fillRef>
-          <a:effectRef idx="0">
-            <a:schemeClr val="dk1"/>
-          </a:effectRef>
-          <a:fontRef idx="minor">
-            <a:schemeClr val="tx1"/>
-          </a:fontRef>
-        </p:style>
-      </p:cxnSp>
-      <mc:AlternateContent xmlns:mc="http://schemas.openxmlformats.org/markup-compatibility/2006" xmlns:a14="http://schemas.microsoft.com/office/drawing/2010/main">
-        <mc:Choice Requires="a14">
-          <p:sp>
-            <p:nvSpPr>
-              <p:cNvPr id="7" name="TextBox 6"/>
+              <p:cNvPr id="15" name="TextBox 14"/>
               <p:cNvSpPr txBox="1"/>
               <p:nvPr/>
             </p:nvSpPr>
             <p:spPr>
               <a:xfrm>
-                <a:off x="368490" y="2947916"/>
-                <a:ext cx="1834668" cy="400110"/>
+                <a:off x="3834615" y="2938789"/>
+                <a:ext cx="666123" cy="523219"/>
               </a:xfrm>
               <a:prstGeom prst="rect">
                 <a:avLst/>
@@ -3123,7 +3554,7 @@
               <a:noFill/>
             </p:spPr>
             <p:txBody>
-              <a:bodyPr wrap="none" lIns="0" tIns="0" rIns="0" bIns="0" rtlCol="0">
+              <a:bodyPr wrap="square" lIns="0" tIns="0" rIns="0" bIns="0" rtlCol="0">
                 <a:spAutoFit/>
               </a:bodyPr>
               <a:lstStyle/>
@@ -3136,62 +3567,23 @@
                     </m:oMathParaPr>
                     <m:oMath xmlns:m="http://schemas.openxmlformats.org/officeDocument/2006/math">
                       <m:r>
-                        <m:rPr>
-                          <m:sty m:val="p"/>
-                        </m:rPr>
-                        <a:rPr lang="en-US" sz="2600" b="0" i="0" smtClean="0">
+                        <a:rPr lang="en-US" sz="3400" b="0" i="0" smtClean="0">
                           <a:latin typeface="Cambria Math" panose="02040503050406030204" pitchFamily="18" charset="0"/>
                         </a:rPr>
-                        <m:t>Input</m:t>
-                      </m:r>
-                      <m:r>
-                        <a:rPr lang="en-US" sz="2600" b="0" i="0" smtClean="0">
-                          <a:latin typeface="Cambria Math" panose="02040503050406030204" pitchFamily="18" charset="0"/>
-                        </a:rPr>
-                        <m:t>=</m:t>
-                      </m:r>
-                      <m:r>
-                        <m:rPr>
-                          <m:sty m:val="p"/>
-                        </m:rPr>
-                        <a:rPr lang="en-US" sz="2600" b="0" i="0" smtClean="0">
-                          <a:latin typeface="Cambria Math" panose="02040503050406030204" pitchFamily="18" charset="0"/>
-                        </a:rPr>
-                        <m:t>x</m:t>
-                      </m:r>
-                      <m:r>
-                        <a:rPr lang="en-US" sz="2600" b="0" i="0" smtClean="0">
-                          <a:latin typeface="Cambria Math" panose="02040503050406030204" pitchFamily="18" charset="0"/>
-                        </a:rPr>
-                        <m:t>(</m:t>
-                      </m:r>
-                      <m:r>
-                        <m:rPr>
-                          <m:sty m:val="p"/>
-                        </m:rPr>
-                        <a:rPr lang="en-US" sz="2600" b="0" i="0" smtClean="0">
-                          <a:latin typeface="Cambria Math" panose="02040503050406030204" pitchFamily="18" charset="0"/>
-                        </a:rPr>
-                        <m:t>t</m:t>
-                      </m:r>
-                      <m:r>
-                        <a:rPr lang="en-US" sz="2600" b="0" i="0" smtClean="0">
-                          <a:latin typeface="Cambria Math" panose="02040503050406030204" pitchFamily="18" charset="0"/>
-                        </a:rPr>
-                        <m:t>)</m:t>
+                        <m:t>1</m:t>
                       </m:r>
                     </m:oMath>
                   </m:oMathPara>
                 </a14:m>
-                <a:endParaRPr lang="pt-PT" sz="2600" dirty="0"/>
+                <a:endParaRPr lang="pt-PT" sz="3400" dirty="0"/>
               </a:p>
             </p:txBody>
           </p:sp>
         </mc:Choice>
-        <mc:Fallback xmlns="">
+        <mc:Fallback>
           <p:sp>
             <p:nvSpPr>
-              <p:cNvPr id="7" name="TextBox 6"/>
+              <p:cNvPr id="15" name="TextBox 14"/>
               <p:cNvSpPr txBox="1">
                 <a:spLocks noRot="1" noChangeAspect="1" noMove="1" noResize="1" noEditPoints="1" noAdjustHandles="1" noChangeArrowheads="1" noChangeShapeType="1" noTextEdit="1"/>
               </p:cNvSpPr>
@@ -3199,14 +3591,14 @@
             </p:nvSpPr>
             <p:spPr>
               <a:xfrm>
-                <a:off x="368490" y="2947916"/>
-                <a:ext cx="1834668" cy="400110"/>
+                <a:off x="3834615" y="2938789"/>
+                <a:ext cx="666123" cy="523219"/>
               </a:xfrm>
               <a:prstGeom prst="rect">
                 <a:avLst/>
               </a:prstGeom>
               <a:blipFill>
-                <a:blip r:embed="rId3"/>
+                <a:blip r:embed="rId6"/>
                 <a:stretch>
                   <a:fillRect/>
                 </a:stretch>
@@ -3217,7 +3609,7 @@
               <a:lstStyle/>
               <a:p>
                 <a:r>
-                  <a:rPr lang="pt-PT">
+                  <a:rPr lang="en-US">
                     <a:noFill/>
                   </a:rPr>
                   <a:t> </a:t>
@@ -3227,18 +3619,18 @@
           </p:sp>
         </mc:Fallback>
       </mc:AlternateContent>
-      <mc:AlternateContent xmlns:mc="http://schemas.openxmlformats.org/markup-compatibility/2006" xmlns:a14="http://schemas.microsoft.com/office/drawing/2010/main">
-        <mc:Choice Requires="a14">
+      <mc:AlternateContent xmlns:mc="http://schemas.openxmlformats.org/markup-compatibility/2006">
+        <mc:Choice xmlns:a14="http://schemas.microsoft.com/office/drawing/2010/main" Requires="a14">
           <p:sp>
             <p:nvSpPr>
-              <p:cNvPr id="27" name="TextBox 26"/>
+              <p:cNvPr id="16" name="TextBox 15"/>
               <p:cNvSpPr txBox="1"/>
               <p:nvPr/>
             </p:nvSpPr>
             <p:spPr>
               <a:xfrm>
-                <a:off x="9247457" y="1394347"/>
-                <a:ext cx="2216119" cy="400110"/>
+                <a:off x="7727270" y="1862050"/>
+                <a:ext cx="666123" cy="523219"/>
               </a:xfrm>
               <a:prstGeom prst="rect">
                 <a:avLst/>
@@ -3246,7 +3638,7 @@
               <a:noFill/>
             </p:spPr>
             <p:txBody>
-              <a:bodyPr wrap="none" lIns="0" tIns="0" rIns="0" bIns="0" rtlCol="0">
+              <a:bodyPr wrap="square" lIns="0" tIns="0" rIns="0" bIns="0" rtlCol="0">
                 <a:spAutoFit/>
               </a:bodyPr>
               <a:lstStyle/>
@@ -3258,82 +3650,24 @@
                       <m:jc m:val="centerGroup"/>
                     </m:oMathParaPr>
                     <m:oMath xmlns:m="http://schemas.openxmlformats.org/officeDocument/2006/math">
-                      <m:sSub>
-                        <m:sSubPr>
-                          <m:ctrlPr>
-                            <a:rPr lang="en-US" sz="2600" b="0" i="1" smtClean="0">
-                              <a:latin typeface="Cambria Math" panose="02040503050406030204" pitchFamily="18" charset="0"/>
-                            </a:rPr>
-                          </m:ctrlPr>
-                        </m:sSubPr>
-                        <m:e>
-                          <m:r>
-                            <m:rPr>
-                              <m:sty m:val="p"/>
-                            </m:rPr>
-                            <a:rPr lang="en-US" sz="2600" b="0" i="0" smtClean="0">
-                              <a:latin typeface="Cambria Math" panose="02040503050406030204" pitchFamily="18" charset="0"/>
-                            </a:rPr>
-                            <m:t>Output</m:t>
-                          </m:r>
-                        </m:e>
-                        <m:sub>
-                          <m:r>
-                            <a:rPr lang="en-US" sz="2600" b="0" i="0" smtClean="0">
-                              <a:latin typeface="Cambria Math" panose="02040503050406030204" pitchFamily="18" charset="0"/>
-                            </a:rPr>
-                            <m:t>1</m:t>
-                          </m:r>
-                        </m:sub>
-                      </m:sSub>
                       <m:r>
-                        <a:rPr lang="en-US" sz="2600" b="0" i="0" smtClean="0">
+                        <a:rPr lang="en-US" sz="3400" b="0" i="0" smtClean="0">
                           <a:latin typeface="Cambria Math" panose="02040503050406030204" pitchFamily="18" charset="0"/>
                         </a:rPr>
-                        <m:t>=</m:t>
-                      </m:r>
-                      <m:r>
-                        <m:rPr>
-                          <m:sty m:val="p"/>
-                        </m:rPr>
-                        <a:rPr lang="en-US" sz="2600" b="0" i="0" smtClean="0">
-                          <a:latin typeface="Cambria Math" panose="02040503050406030204" pitchFamily="18" charset="0"/>
-                        </a:rPr>
-                        <m:t>x</m:t>
-                      </m:r>
-                      <m:r>
-                        <a:rPr lang="en-US" sz="2600" b="0" i="0" smtClean="0">
-                          <a:latin typeface="Cambria Math" panose="02040503050406030204" pitchFamily="18" charset="0"/>
-                        </a:rPr>
-                        <m:t>(</m:t>
-                      </m:r>
-                      <m:r>
-                        <m:rPr>
-                          <m:sty m:val="p"/>
-                        </m:rPr>
-                        <a:rPr lang="en-US" sz="2600" b="0" i="0" smtClean="0">
-                          <a:latin typeface="Cambria Math" panose="02040503050406030204" pitchFamily="18" charset="0"/>
-                        </a:rPr>
-                        <m:t>t</m:t>
-                      </m:r>
-                      <m:r>
-                        <a:rPr lang="en-US" sz="2600" b="0" i="0" smtClean="0">
-                          <a:latin typeface="Cambria Math" panose="02040503050406030204" pitchFamily="18" charset="0"/>
-                        </a:rPr>
-                        <m:t>)</m:t>
+                        <m:t>2</m:t>
                       </m:r>
                     </m:oMath>
                   </m:oMathPara>
                 </a14:m>
-                <a:endParaRPr lang="pt-PT" sz="2600" dirty="0"/>
+                <a:endParaRPr lang="pt-PT" sz="3400" dirty="0"/>
               </a:p>
             </p:txBody>
           </p:sp>
         </mc:Choice>
-        <mc:Fallback xmlns="">
+        <mc:Fallback>
           <p:sp>
             <p:nvSpPr>
-              <p:cNvPr id="27" name="TextBox 26"/>
+              <p:cNvPr id="16" name="TextBox 15"/>
               <p:cNvSpPr txBox="1">
                 <a:spLocks noRot="1" noChangeAspect="1" noMove="1" noResize="1" noEditPoints="1" noAdjustHandles="1" noChangeArrowheads="1" noChangeShapeType="1" noTextEdit="1"/>
               </p:cNvSpPr>
@@ -3341,14 +3675,14 @@
             </p:nvSpPr>
             <p:spPr>
               <a:xfrm>
-                <a:off x="9247457" y="1394347"/>
-                <a:ext cx="2216119" cy="400110"/>
+                <a:off x="7727270" y="1862050"/>
+                <a:ext cx="666123" cy="523219"/>
               </a:xfrm>
               <a:prstGeom prst="rect">
                 <a:avLst/>
               </a:prstGeom>
               <a:blipFill>
-                <a:blip r:embed="rId4"/>
+                <a:blip r:embed="rId7"/>
                 <a:stretch>
                   <a:fillRect/>
                 </a:stretch>
@@ -3359,7 +3693,7 @@
               <a:lstStyle/>
               <a:p>
                 <a:r>
-                  <a:rPr lang="pt-PT">
+                  <a:rPr lang="en-US">
                     <a:noFill/>
                   </a:rPr>
                   <a:t> </a:t>
@@ -3369,84 +3703,18 @@
           </p:sp>
         </mc:Fallback>
       </mc:AlternateContent>
-      <p:cxnSp>
-        <p:nvCxnSpPr>
-          <p:cNvPr id="28" name="Straight Arrow Connector 27"/>
-          <p:cNvCxnSpPr/>
-          <p:nvPr/>
-        </p:nvCxnSpPr>
-        <p:spPr>
-          <a:xfrm>
-            <a:off x="9103057" y="1828353"/>
-            <a:ext cx="2647666" cy="1"/>
-          </a:xfrm>
-          <a:prstGeom prst="straightConnector1">
-            <a:avLst/>
-          </a:prstGeom>
-          <a:ln w="28575">
-            <a:tailEnd type="triangle"/>
-          </a:ln>
-        </p:spPr>
-        <p:style>
-          <a:lnRef idx="1">
-            <a:schemeClr val="dk1"/>
-          </a:lnRef>
-          <a:fillRef idx="0">
-            <a:schemeClr val="dk1"/>
-          </a:fillRef>
-          <a:effectRef idx="0">
-            <a:schemeClr val="dk1"/>
-          </a:effectRef>
-          <a:fontRef idx="minor">
-            <a:schemeClr val="tx1"/>
-          </a:fontRef>
-        </p:style>
-      </p:cxnSp>
-      <p:cxnSp>
-        <p:nvCxnSpPr>
-          <p:cNvPr id="29" name="Straight Arrow Connector 28"/>
-          <p:cNvCxnSpPr/>
-          <p:nvPr/>
-        </p:nvCxnSpPr>
-        <p:spPr>
-          <a:xfrm>
-            <a:off x="9103057" y="5040794"/>
-            <a:ext cx="2647666" cy="1"/>
-          </a:xfrm>
-          <a:prstGeom prst="straightConnector1">
-            <a:avLst/>
-          </a:prstGeom>
-          <a:ln w="28575">
-            <a:tailEnd type="triangle"/>
-          </a:ln>
-        </p:spPr>
-        <p:style>
-          <a:lnRef idx="1">
-            <a:schemeClr val="dk1"/>
-          </a:lnRef>
-          <a:fillRef idx="0">
-            <a:schemeClr val="dk1"/>
-          </a:fillRef>
-          <a:effectRef idx="0">
-            <a:schemeClr val="dk1"/>
-          </a:effectRef>
-          <a:fontRef idx="minor">
-            <a:schemeClr val="tx1"/>
-          </a:fontRef>
-        </p:style>
-      </p:cxnSp>
-      <mc:AlternateContent xmlns:mc="http://schemas.openxmlformats.org/markup-compatibility/2006" xmlns:a14="http://schemas.microsoft.com/office/drawing/2010/main">
-        <mc:Choice Requires="a14">
+      <mc:AlternateContent xmlns:mc="http://schemas.openxmlformats.org/markup-compatibility/2006">
+        <mc:Choice xmlns:a14="http://schemas.microsoft.com/office/drawing/2010/main" Requires="a14">
           <p:sp>
             <p:nvSpPr>
-              <p:cNvPr id="31" name="TextBox 30"/>
+              <p:cNvPr id="17" name="TextBox 16"/>
               <p:cNvSpPr txBox="1"/>
               <p:nvPr/>
             </p:nvSpPr>
             <p:spPr>
               <a:xfrm>
-                <a:off x="9247456" y="4606787"/>
-                <a:ext cx="2307170" cy="400110"/>
+                <a:off x="7727580" y="4189487"/>
+                <a:ext cx="666123" cy="523220"/>
               </a:xfrm>
               <a:prstGeom prst="rect">
                 <a:avLst/>
@@ -3454,7 +3722,7 @@
               <a:noFill/>
             </p:spPr>
             <p:txBody>
-              <a:bodyPr wrap="none" lIns="0" tIns="0" rIns="0" bIns="0" rtlCol="0">
+              <a:bodyPr wrap="square" lIns="0" tIns="0" rIns="0" bIns="0" rtlCol="0">
                 <a:spAutoFit/>
               </a:bodyPr>
               <a:lstStyle/>
@@ -3466,82 +3734,24 @@
                       <m:jc m:val="centerGroup"/>
                     </m:oMathParaPr>
                     <m:oMath xmlns:m="http://schemas.openxmlformats.org/officeDocument/2006/math">
-                      <m:sSub>
-                        <m:sSubPr>
-                          <m:ctrlPr>
-                            <a:rPr lang="en-US" sz="2600" b="0" i="1" smtClean="0">
-                              <a:latin typeface="Cambria Math" panose="02040503050406030204" pitchFamily="18" charset="0"/>
-                            </a:rPr>
-                          </m:ctrlPr>
-                        </m:sSubPr>
-                        <m:e>
-                          <m:r>
-                            <m:rPr>
-                              <m:sty m:val="p"/>
-                            </m:rPr>
-                            <a:rPr lang="en-US" sz="2600" b="0" i="0" smtClean="0">
-                              <a:latin typeface="Cambria Math" panose="02040503050406030204" pitchFamily="18" charset="0"/>
-                            </a:rPr>
-                            <m:t>Output</m:t>
-                          </m:r>
-                        </m:e>
-                        <m:sub>
-                          <m:r>
-                            <a:rPr lang="en-US" sz="2600" b="0" i="0" smtClean="0">
-                              <a:latin typeface="Cambria Math" panose="02040503050406030204" pitchFamily="18" charset="0"/>
-                            </a:rPr>
-                            <m:t>2</m:t>
-                          </m:r>
-                        </m:sub>
-                      </m:sSub>
                       <m:r>
-                        <a:rPr lang="en-US" sz="2600" b="0" i="0" smtClean="0">
+                        <a:rPr lang="en-US" sz="3400" b="0" i="1" smtClean="0">
                           <a:latin typeface="Cambria Math" panose="02040503050406030204" pitchFamily="18" charset="0"/>
                         </a:rPr>
-                        <m:t>=</m:t>
-                      </m:r>
-                      <m:r>
-                        <m:rPr>
-                          <m:sty m:val="p"/>
-                        </m:rPr>
-                        <a:rPr lang="en-US" sz="2600" b="0" i="0" smtClean="0">
-                          <a:latin typeface="Cambria Math" panose="02040503050406030204" pitchFamily="18" charset="0"/>
-                        </a:rPr>
-                        <m:t>x</m:t>
-                      </m:r>
-                      <m:r>
-                        <a:rPr lang="en-US" sz="2600" b="0" i="0" smtClean="0">
-                          <a:latin typeface="Cambria Math" panose="02040503050406030204" pitchFamily="18" charset="0"/>
-                        </a:rPr>
-                        <m:t>(</m:t>
-                      </m:r>
-                      <m:r>
-                        <m:rPr>
-                          <m:sty m:val="p"/>
-                        </m:rPr>
-                        <a:rPr lang="en-US" sz="2600" b="0" i="0" smtClean="0">
-                          <a:latin typeface="Cambria Math" panose="02040503050406030204" pitchFamily="18" charset="0"/>
-                        </a:rPr>
-                        <m:t>t</m:t>
-                      </m:r>
-                      <m:r>
-                        <a:rPr lang="en-US" sz="2600" b="0" i="0" smtClean="0">
-                          <a:latin typeface="Cambria Math" panose="02040503050406030204" pitchFamily="18" charset="0"/>
-                        </a:rPr>
-                        <m:t>)</m:t>
+                        <m:t>3</m:t>
                       </m:r>
                     </m:oMath>
                   </m:oMathPara>
                 </a14:m>
-                <a:endParaRPr lang="pt-PT" sz="2600" dirty="0"/>
+                <a:endParaRPr lang="pt-PT" sz="3400" dirty="0"/>
               </a:p>
             </p:txBody>
           </p:sp>
         </mc:Choice>
-        <mc:Fallback xmlns="">
+        <mc:Fallback>
           <p:sp>
             <p:nvSpPr>
-              <p:cNvPr id="31" name="TextBox 30"/>
+              <p:cNvPr id="17" name="TextBox 16"/>
               <p:cNvSpPr txBox="1">
                 <a:spLocks noRot="1" noChangeAspect="1" noMove="1" noResize="1" noEditPoints="1" noAdjustHandles="1" noChangeArrowheads="1" noChangeShapeType="1" noTextEdit="1"/>
               </p:cNvSpPr>
@@ -3549,14 +3759,14 @@
             </p:nvSpPr>
             <p:spPr>
               <a:xfrm>
-                <a:off x="9247456" y="4606787"/>
-                <a:ext cx="2307170" cy="400110"/>
+                <a:off x="7727580" y="4189487"/>
+                <a:ext cx="666123" cy="523220"/>
               </a:xfrm>
               <a:prstGeom prst="rect">
                 <a:avLst/>
               </a:prstGeom>
               <a:blipFill>
-                <a:blip r:embed="rId5"/>
+                <a:blip r:embed="rId8"/>
                 <a:stretch>
                   <a:fillRect/>
                 </a:stretch>
@@ -3567,7 +3777,7 @@
               <a:lstStyle/>
               <a:p>
                 <a:r>
-                  <a:rPr lang="pt-PT">
+                  <a:rPr lang="en-US">
                     <a:noFill/>
                   </a:rPr>
                   <a:t> </a:t>

--- a/doc/tex/lib/fork/figures/fork.pptx
+++ b/doc/tex/lib/fork/figures/fork.pptx
@@ -243,7 +243,7 @@
           <a:p>
             <a:fld id="{D49AAB4C-DF2E-47F4-BB84-4452C8A70CAB}" type="datetimeFigureOut">
               <a:rPr lang="pt-PT" smtClean="0"/>
-              <a:t>21/11/2017</a:t>
+              <a:t>29/11/2017</a:t>
             </a:fld>
             <a:endParaRPr lang="pt-PT"/>
           </a:p>
@@ -413,7 +413,7 @@
           <a:p>
             <a:fld id="{D49AAB4C-DF2E-47F4-BB84-4452C8A70CAB}" type="datetimeFigureOut">
               <a:rPr lang="pt-PT" smtClean="0"/>
-              <a:t>21/11/2017</a:t>
+              <a:t>29/11/2017</a:t>
             </a:fld>
             <a:endParaRPr lang="pt-PT"/>
           </a:p>
@@ -593,7 +593,7 @@
           <a:p>
             <a:fld id="{D49AAB4C-DF2E-47F4-BB84-4452C8A70CAB}" type="datetimeFigureOut">
               <a:rPr lang="pt-PT" smtClean="0"/>
-              <a:t>21/11/2017</a:t>
+              <a:t>29/11/2017</a:t>
             </a:fld>
             <a:endParaRPr lang="pt-PT"/>
           </a:p>
@@ -763,7 +763,7 @@
           <a:p>
             <a:fld id="{D49AAB4C-DF2E-47F4-BB84-4452C8A70CAB}" type="datetimeFigureOut">
               <a:rPr lang="pt-PT" smtClean="0"/>
-              <a:t>21/11/2017</a:t>
+              <a:t>29/11/2017</a:t>
             </a:fld>
             <a:endParaRPr lang="pt-PT"/>
           </a:p>
@@ -1009,7 +1009,7 @@
           <a:p>
             <a:fld id="{D49AAB4C-DF2E-47F4-BB84-4452C8A70CAB}" type="datetimeFigureOut">
               <a:rPr lang="pt-PT" smtClean="0"/>
-              <a:t>21/11/2017</a:t>
+              <a:t>29/11/2017</a:t>
             </a:fld>
             <a:endParaRPr lang="pt-PT"/>
           </a:p>
@@ -1241,7 +1241,7 @@
           <a:p>
             <a:fld id="{D49AAB4C-DF2E-47F4-BB84-4452C8A70CAB}" type="datetimeFigureOut">
               <a:rPr lang="pt-PT" smtClean="0"/>
-              <a:t>21/11/2017</a:t>
+              <a:t>29/11/2017</a:t>
             </a:fld>
             <a:endParaRPr lang="pt-PT"/>
           </a:p>
@@ -1608,7 +1608,7 @@
           <a:p>
             <a:fld id="{D49AAB4C-DF2E-47F4-BB84-4452C8A70CAB}" type="datetimeFigureOut">
               <a:rPr lang="pt-PT" smtClean="0"/>
-              <a:t>21/11/2017</a:t>
+              <a:t>29/11/2017</a:t>
             </a:fld>
             <a:endParaRPr lang="pt-PT"/>
           </a:p>
@@ -1726,7 +1726,7 @@
           <a:p>
             <a:fld id="{D49AAB4C-DF2E-47F4-BB84-4452C8A70CAB}" type="datetimeFigureOut">
               <a:rPr lang="pt-PT" smtClean="0"/>
-              <a:t>21/11/2017</a:t>
+              <a:t>29/11/2017</a:t>
             </a:fld>
             <a:endParaRPr lang="pt-PT"/>
           </a:p>
@@ -1821,7 +1821,7 @@
           <a:p>
             <a:fld id="{D49AAB4C-DF2E-47F4-BB84-4452C8A70CAB}" type="datetimeFigureOut">
               <a:rPr lang="pt-PT" smtClean="0"/>
-              <a:t>21/11/2017</a:t>
+              <a:t>29/11/2017</a:t>
             </a:fld>
             <a:endParaRPr lang="pt-PT"/>
           </a:p>
@@ -2098,7 +2098,7 @@
           <a:p>
             <a:fld id="{D49AAB4C-DF2E-47F4-BB84-4452C8A70CAB}" type="datetimeFigureOut">
               <a:rPr lang="pt-PT" smtClean="0"/>
-              <a:t>21/11/2017</a:t>
+              <a:t>29/11/2017</a:t>
             </a:fld>
             <a:endParaRPr lang="pt-PT"/>
           </a:p>
@@ -2351,7 +2351,7 @@
           <a:p>
             <a:fld id="{D49AAB4C-DF2E-47F4-BB84-4452C8A70CAB}" type="datetimeFigureOut">
               <a:rPr lang="pt-PT" smtClean="0"/>
-              <a:t>21/11/2017</a:t>
+              <a:t>29/11/2017</a:t>
             </a:fld>
             <a:endParaRPr lang="pt-PT"/>
           </a:p>
@@ -2564,7 +2564,7 @@
           <a:p>
             <a:fld id="{D49AAB4C-DF2E-47F4-BB84-4452C8A70CAB}" type="datetimeFigureOut">
               <a:rPr lang="pt-PT" smtClean="0"/>
-              <a:t>21/11/2017</a:t>
+              <a:t>29/11/2017</a:t>
             </a:fld>
             <a:endParaRPr lang="pt-PT"/>
           </a:p>
@@ -2977,10 +2977,10 @@
         </p:nvGrpSpPr>
         <p:grpSpPr>
           <a:xfrm>
-            <a:off x="1360281" y="974222"/>
-            <a:ext cx="9515619" cy="4452358"/>
-            <a:chOff x="2053899" y="1968488"/>
-            <a:chExt cx="8008731" cy="2401369"/>
+            <a:off x="1765173" y="974222"/>
+            <a:ext cx="8291078" cy="4452358"/>
+            <a:chOff x="2394673" y="1968488"/>
+            <a:chExt cx="6978107" cy="2401369"/>
           </a:xfrm>
         </p:grpSpPr>
         <p:cxnSp>
@@ -3000,7 +3000,7 @@
               <a:avLst/>
             </a:prstGeom>
             <a:ln w="28575">
-              <a:tailEnd type="triangle"/>
+              <a:tailEnd type="triangle" w="lg" len="lg"/>
             </a:ln>
           </p:spPr>
           <p:style>
@@ -3028,116 +3028,8 @@
               </p:nvSpPr>
               <p:spPr>
                 <a:xfrm>
-                  <a:off x="2053899" y="3044673"/>
-                  <a:ext cx="608467" cy="248998"/>
-                </a:xfrm>
-                <a:prstGeom prst="rect">
-                  <a:avLst/>
-                </a:prstGeom>
-                <a:noFill/>
-              </p:spPr>
-              <p:txBody>
-                <a:bodyPr wrap="none" lIns="0" tIns="0" rIns="0" bIns="0" rtlCol="0">
-                  <a:spAutoFit/>
-                </a:bodyPr>
-                <a:lstStyle/>
-                <a:p>
-                  <a:pPr/>
-                  <a14:m>
-                    <m:oMathPara xmlns:m="http://schemas.openxmlformats.org/officeDocument/2006/math">
-                      <m:oMathParaPr>
-                        <m:jc m:val="centerGroup"/>
-                      </m:oMathParaPr>
-                      <m:oMath xmlns:m="http://schemas.openxmlformats.org/officeDocument/2006/math">
-                        <m:r>
-                          <m:rPr>
-                            <m:sty m:val="p"/>
-                          </m:rPr>
-                          <a:rPr lang="en-US" sz="3000" b="0" i="0" smtClean="0">
-                            <a:latin typeface="Cambria Math" panose="02040503050406030204" pitchFamily="18" charset="0"/>
-                          </a:rPr>
-                          <m:t>x</m:t>
-                        </m:r>
-                        <m:r>
-                          <a:rPr lang="en-US" sz="3000" b="0" i="0" smtClean="0">
-                            <a:latin typeface="Cambria Math" panose="02040503050406030204" pitchFamily="18" charset="0"/>
-                          </a:rPr>
-                          <m:t>(</m:t>
-                        </m:r>
-                        <m:r>
-                          <m:rPr>
-                            <m:sty m:val="p"/>
-                          </m:rPr>
-                          <a:rPr lang="en-US" sz="3000" b="0" i="0" smtClean="0">
-                            <a:latin typeface="Cambria Math" panose="02040503050406030204" pitchFamily="18" charset="0"/>
-                          </a:rPr>
-                          <m:t>t</m:t>
-                        </m:r>
-                        <m:r>
-                          <a:rPr lang="en-US" sz="3000" b="0" i="0" smtClean="0">
-                            <a:latin typeface="Cambria Math" panose="02040503050406030204" pitchFamily="18" charset="0"/>
-                          </a:rPr>
-                          <m:t>)</m:t>
-                        </m:r>
-                      </m:oMath>
-                    </m:oMathPara>
-                  </a14:m>
-                  <a:endParaRPr lang="pt-PT" sz="3000" dirty="0"/>
-                </a:p>
-              </p:txBody>
-            </p:sp>
-          </mc:Choice>
-          <mc:Fallback>
-            <p:sp>
-              <p:nvSpPr>
-                <p:cNvPr id="7" name="TextBox 6"/>
-                <p:cNvSpPr txBox="1">
-                  <a:spLocks noRot="1" noChangeAspect="1" noMove="1" noResize="1" noEditPoints="1" noAdjustHandles="1" noChangeArrowheads="1" noChangeShapeType="1" noTextEdit="1"/>
-                </p:cNvSpPr>
-                <p:nvPr/>
-              </p:nvSpPr>
-              <p:spPr>
-                <a:xfrm>
-                  <a:off x="2053899" y="3044673"/>
-                  <a:ext cx="608467" cy="248998"/>
-                </a:xfrm>
-                <a:prstGeom prst="rect">
-                  <a:avLst/>
-                </a:prstGeom>
-                <a:blipFill>
-                  <a:blip r:embed="rId2"/>
-                  <a:stretch>
-                    <a:fillRect/>
-                  </a:stretch>
-                </a:blipFill>
-              </p:spPr>
-              <p:txBody>
-                <a:bodyPr/>
-                <a:lstStyle/>
-                <a:p>
-                  <a:r>
-                    <a:rPr lang="en-US">
-                      <a:noFill/>
-                    </a:rPr>
-                    <a:t> </a:t>
-                  </a:r>
-                </a:p>
-              </p:txBody>
-            </p:sp>
-          </mc:Fallback>
-        </mc:AlternateContent>
-        <mc:AlternateContent xmlns:mc="http://schemas.openxmlformats.org/markup-compatibility/2006">
-          <mc:Choice xmlns:a14="http://schemas.microsoft.com/office/drawing/2010/main" Requires="a14">
-            <p:sp>
-              <p:nvSpPr>
-                <p:cNvPr id="27" name="TextBox 26"/>
-                <p:cNvSpPr txBox="1"/>
-                <p:nvPr/>
-              </p:nvSpPr>
-              <p:spPr>
-                <a:xfrm>
-                  <a:off x="9372725" y="2447336"/>
-                  <a:ext cx="689905" cy="248998"/>
+                  <a:off x="2394673" y="2961672"/>
+                  <a:ext cx="265315" cy="348597"/>
                 </a:xfrm>
                 <a:prstGeom prst="rect">
                   <a:avLst/>
@@ -3161,36 +3053,15 @@
                           <m:rPr>
                             <m:sty m:val="p"/>
                           </m:rPr>
-                          <a:rPr lang="en-US" sz="3000" b="0" i="0" smtClean="0">
+                          <a:rPr lang="en-US" sz="4200" b="0" i="0" smtClean="0">
                             <a:latin typeface="Cambria Math" panose="02040503050406030204" pitchFamily="18" charset="0"/>
                           </a:rPr>
                           <m:t>x</m:t>
                         </m:r>
-                        <m:r>
-                          <a:rPr lang="en-US" sz="3000" b="0" i="0" smtClean="0">
-                            <a:latin typeface="Cambria Math" panose="02040503050406030204" pitchFamily="18" charset="0"/>
-                          </a:rPr>
-                          <m:t>(</m:t>
-                        </m:r>
-                        <m:r>
-                          <m:rPr>
-                            <m:sty m:val="p"/>
-                          </m:rPr>
-                          <a:rPr lang="en-US" sz="3000" b="0" i="0" smtClean="0">
-                            <a:latin typeface="Cambria Math" panose="02040503050406030204" pitchFamily="18" charset="0"/>
-                          </a:rPr>
-                          <m:t>t</m:t>
-                        </m:r>
-                        <m:r>
-                          <a:rPr lang="en-US" sz="3000" b="0" i="0" smtClean="0">
-                            <a:latin typeface="Cambria Math" panose="02040503050406030204" pitchFamily="18" charset="0"/>
-                          </a:rPr>
-                          <m:t>)</m:t>
-                        </m:r>
                       </m:oMath>
                     </m:oMathPara>
                   </a14:m>
-                  <a:endParaRPr lang="pt-PT" sz="3000" dirty="0"/>
+                  <a:endParaRPr lang="pt-PT" sz="4200" dirty="0"/>
                 </a:p>
               </p:txBody>
             </p:sp>
@@ -3198,7 +3069,7 @@
           <mc:Fallback>
             <p:sp>
               <p:nvSpPr>
-                <p:cNvPr id="27" name="TextBox 26"/>
+                <p:cNvPr id="7" name="TextBox 6"/>
                 <p:cNvSpPr txBox="1">
                   <a:spLocks noRot="1" noChangeAspect="1" noMove="1" noResize="1" noEditPoints="1" noAdjustHandles="1" noChangeArrowheads="1" noChangeShapeType="1" noTextEdit="1"/>
                 </p:cNvSpPr>
@@ -3206,14 +3077,14 @@
               </p:nvSpPr>
               <p:spPr>
                 <a:xfrm>
-                  <a:off x="9372725" y="2447336"/>
-                  <a:ext cx="689905" cy="248998"/>
+                  <a:off x="2394673" y="2961672"/>
+                  <a:ext cx="265315" cy="348597"/>
                 </a:xfrm>
                 <a:prstGeom prst="rect">
                   <a:avLst/>
                 </a:prstGeom>
                 <a:blipFill>
-                  <a:blip r:embed="rId3"/>
+                  <a:blip r:embed="rId2"/>
                   <a:stretch>
                     <a:fillRect/>
                   </a:stretch>
@@ -3249,7 +3120,7 @@
               <a:avLst/>
             </a:prstGeom>
             <a:ln w="28575">
-              <a:tailEnd type="triangle"/>
+              <a:tailEnd type="triangle" w="lg" len="lg"/>
             </a:ln>
           </p:spPr>
           <p:style>
@@ -3267,114 +3138,33 @@
             </a:fontRef>
           </p:style>
         </p:cxnSp>
-        <mc:AlternateContent xmlns:mc="http://schemas.openxmlformats.org/markup-compatibility/2006">
-          <mc:Choice xmlns:a14="http://schemas.microsoft.com/office/drawing/2010/main" Requires="a14">
-            <p:sp>
-              <p:nvSpPr>
-                <p:cNvPr id="31" name="TextBox 30"/>
-                <p:cNvSpPr txBox="1"/>
-                <p:nvPr/>
-              </p:nvSpPr>
-              <p:spPr>
-                <a:xfrm>
-                  <a:off x="9372725" y="3719234"/>
-                  <a:ext cx="608467" cy="248998"/>
-                </a:xfrm>
-                <a:prstGeom prst="rect">
-                  <a:avLst/>
-                </a:prstGeom>
-                <a:noFill/>
-              </p:spPr>
-              <p:txBody>
-                <a:bodyPr wrap="none" lIns="0" tIns="0" rIns="0" bIns="0" rtlCol="0">
-                  <a:spAutoFit/>
-                </a:bodyPr>
-                <a:lstStyle/>
-                <a:p>
-                  <a:pPr/>
-                  <a14:m>
-                    <m:oMathPara xmlns:m="http://schemas.openxmlformats.org/officeDocument/2006/math">
-                      <m:oMathParaPr>
-                        <m:jc m:val="centerGroup"/>
-                      </m:oMathParaPr>
-                      <m:oMath xmlns:m="http://schemas.openxmlformats.org/officeDocument/2006/math">
-                        <m:r>
-                          <m:rPr>
-                            <m:sty m:val="p"/>
-                          </m:rPr>
-                          <a:rPr lang="en-US" sz="3000" b="0" i="0" smtClean="0">
-                            <a:latin typeface="Cambria Math" panose="02040503050406030204" pitchFamily="18" charset="0"/>
-                          </a:rPr>
-                          <m:t>x</m:t>
-                        </m:r>
-                        <m:r>
-                          <a:rPr lang="en-US" sz="3000" b="0" i="0" smtClean="0">
-                            <a:latin typeface="Cambria Math" panose="02040503050406030204" pitchFamily="18" charset="0"/>
-                          </a:rPr>
-                          <m:t>(</m:t>
-                        </m:r>
-                        <m:r>
-                          <m:rPr>
-                            <m:sty m:val="p"/>
-                          </m:rPr>
-                          <a:rPr lang="en-US" sz="3000" b="0" i="0" smtClean="0">
-                            <a:latin typeface="Cambria Math" panose="02040503050406030204" pitchFamily="18" charset="0"/>
-                          </a:rPr>
-                          <m:t>t</m:t>
-                        </m:r>
-                        <m:r>
-                          <a:rPr lang="en-US" sz="3000" b="0" i="0" smtClean="0">
-                            <a:latin typeface="Cambria Math" panose="02040503050406030204" pitchFamily="18" charset="0"/>
-                          </a:rPr>
-                          <m:t>)</m:t>
-                        </m:r>
-                      </m:oMath>
-                    </m:oMathPara>
-                  </a14:m>
-                  <a:endParaRPr lang="pt-PT" sz="3000" dirty="0"/>
-                </a:p>
-              </p:txBody>
-            </p:sp>
-          </mc:Choice>
-          <mc:Fallback>
-            <p:sp>
-              <p:nvSpPr>
-                <p:cNvPr id="31" name="TextBox 30"/>
-                <p:cNvSpPr txBox="1">
-                  <a:spLocks noRot="1" noChangeAspect="1" noMove="1" noResize="1" noEditPoints="1" noAdjustHandles="1" noChangeArrowheads="1" noChangeShapeType="1" noTextEdit="1"/>
-                </p:cNvSpPr>
-                <p:nvPr/>
-              </p:nvSpPr>
-              <p:spPr>
-                <a:xfrm>
-                  <a:off x="9372725" y="3719234"/>
-                  <a:ext cx="608467" cy="248998"/>
-                </a:xfrm>
-                <a:prstGeom prst="rect">
-                  <a:avLst/>
-                </a:prstGeom>
-                <a:blipFill>
-                  <a:blip r:embed="rId4"/>
-                  <a:stretch>
-                    <a:fillRect/>
-                  </a:stretch>
-                </a:blipFill>
-              </p:spPr>
-              <p:txBody>
-                <a:bodyPr/>
-                <a:lstStyle/>
-                <a:p>
-                  <a:r>
-                    <a:rPr lang="en-US">
-                      <a:noFill/>
-                    </a:rPr>
-                    <a:t> </a:t>
-                  </a:r>
-                </a:p>
-              </p:txBody>
-            </p:sp>
-          </mc:Fallback>
-        </mc:AlternateContent>
+        <p:sp>
+          <p:nvSpPr>
+            <p:cNvPr id="31" name="TextBox 30"/>
+            <p:cNvSpPr txBox="1"/>
+            <p:nvPr/>
+          </p:nvSpPr>
+          <p:spPr>
+            <a:xfrm>
+              <a:off x="9372725" y="3719234"/>
+              <a:ext cx="55" cy="248998"/>
+            </a:xfrm>
+            <a:prstGeom prst="rect">
+              <a:avLst/>
+            </a:prstGeom>
+            <a:noFill/>
+          </p:spPr>
+          <p:txBody>
+            <a:bodyPr wrap="none" lIns="0" tIns="0" rIns="0" bIns="0" rtlCol="0">
+              <a:spAutoFit/>
+            </a:bodyPr>
+            <a:lstStyle/>
+            <a:p>
+              <a:pPr/>
+              <a:endParaRPr lang="pt-PT" sz="3000" dirty="0"/>
+            </a:p>
+          </p:txBody>
+        </p:sp>
         <p:sp>
           <p:nvSpPr>
             <p:cNvPr id="3" name="Rounded Rectangle 2"/>
@@ -3429,7 +3219,7 @@
               <a:avLst/>
             </a:prstGeom>
             <a:ln w="28575">
-              <a:tailEnd type="triangle"/>
+              <a:tailEnd type="triangle" w="lg" len="lg"/>
             </a:ln>
           </p:spPr>
           <p:style>
@@ -3447,8 +3237,8 @@
             </a:fontRef>
           </p:style>
         </p:cxnSp>
-        <mc:AlternateContent xmlns:mc="http://schemas.openxmlformats.org/markup-compatibility/2006">
-          <mc:Choice xmlns:a14="http://schemas.microsoft.com/office/drawing/2010/main" Requires="a14">
+        <mc:AlternateContent xmlns:mc="http://schemas.openxmlformats.org/markup-compatibility/2006" xmlns:a14="http://schemas.microsoft.com/office/drawing/2010/main">
+          <mc:Choice Requires="a14">
             <p:sp>
               <p:nvSpPr>
                 <p:cNvPr id="14" name="TextBox 13"/>
@@ -3495,7 +3285,7 @@
               </p:txBody>
             </p:sp>
           </mc:Choice>
-          <mc:Fallback>
+          <mc:Fallback xmlns="">
             <p:sp>
               <p:nvSpPr>
                 <p:cNvPr id="14" name="TextBox 13"/>
@@ -3535,8 +3325,8 @@
           </mc:Fallback>
         </mc:AlternateContent>
       </p:grpSp>
-      <mc:AlternateContent xmlns:mc="http://schemas.openxmlformats.org/markup-compatibility/2006">
-        <mc:Choice xmlns:a14="http://schemas.microsoft.com/office/drawing/2010/main" Requires="a14">
+      <mc:AlternateContent xmlns:mc="http://schemas.openxmlformats.org/markup-compatibility/2006" xmlns:a14="http://schemas.microsoft.com/office/drawing/2010/main">
+        <mc:Choice Requires="a14">
           <p:sp>
             <p:nvSpPr>
               <p:cNvPr id="15" name="TextBox 14"/>
@@ -3580,7 +3370,7 @@
             </p:txBody>
           </p:sp>
         </mc:Choice>
-        <mc:Fallback>
+        <mc:Fallback xmlns="">
           <p:sp>
             <p:nvSpPr>
               <p:cNvPr id="15" name="TextBox 14"/>
@@ -3619,8 +3409,8 @@
           </p:sp>
         </mc:Fallback>
       </mc:AlternateContent>
-      <mc:AlternateContent xmlns:mc="http://schemas.openxmlformats.org/markup-compatibility/2006">
-        <mc:Choice xmlns:a14="http://schemas.microsoft.com/office/drawing/2010/main" Requires="a14">
+      <mc:AlternateContent xmlns:mc="http://schemas.openxmlformats.org/markup-compatibility/2006" xmlns:a14="http://schemas.microsoft.com/office/drawing/2010/main">
+        <mc:Choice Requires="a14">
           <p:sp>
             <p:nvSpPr>
               <p:cNvPr id="16" name="TextBox 15"/>
@@ -3664,7 +3454,7 @@
             </p:txBody>
           </p:sp>
         </mc:Choice>
-        <mc:Fallback>
+        <mc:Fallback xmlns="">
           <p:sp>
             <p:nvSpPr>
               <p:cNvPr id="16" name="TextBox 15"/>
@@ -3703,8 +3493,8 @@
           </p:sp>
         </mc:Fallback>
       </mc:AlternateContent>
-      <mc:AlternateContent xmlns:mc="http://schemas.openxmlformats.org/markup-compatibility/2006">
-        <mc:Choice xmlns:a14="http://schemas.microsoft.com/office/drawing/2010/main" Requires="a14">
+      <mc:AlternateContent xmlns:mc="http://schemas.openxmlformats.org/markup-compatibility/2006" xmlns:a14="http://schemas.microsoft.com/office/drawing/2010/main">
+        <mc:Choice Requires="a14">
           <p:sp>
             <p:nvSpPr>
               <p:cNvPr id="17" name="TextBox 16"/>
@@ -3748,7 +3538,7 @@
             </p:txBody>
           </p:sp>
         </mc:Choice>
-        <mc:Fallback>
+        <mc:Fallback xmlns="">
           <p:sp>
             <p:nvSpPr>
               <p:cNvPr id="17" name="TextBox 16"/>
@@ -3767,6 +3557,180 @@
               </a:prstGeom>
               <a:blipFill>
                 <a:blip r:embed="rId8"/>
+                <a:stretch>
+                  <a:fillRect/>
+                </a:stretch>
+              </a:blipFill>
+            </p:spPr>
+            <p:txBody>
+              <a:bodyPr/>
+              <a:lstStyle/>
+              <a:p>
+                <a:r>
+                  <a:rPr lang="en-US">
+                    <a:noFill/>
+                  </a:rPr>
+                  <a:t> </a:t>
+                </a:r>
+              </a:p>
+            </p:txBody>
+          </p:sp>
+        </mc:Fallback>
+      </mc:AlternateContent>
+      <mc:AlternateContent xmlns:mc="http://schemas.openxmlformats.org/markup-compatibility/2006">
+        <mc:Choice xmlns:a14="http://schemas.microsoft.com/office/drawing/2010/main" Requires="a14">
+          <p:sp>
+            <p:nvSpPr>
+              <p:cNvPr id="18" name="TextBox 17"/>
+              <p:cNvSpPr txBox="1"/>
+              <p:nvPr/>
+            </p:nvSpPr>
+            <p:spPr>
+              <a:xfrm>
+                <a:off x="10007806" y="1722839"/>
+                <a:ext cx="315236" cy="646331"/>
+              </a:xfrm>
+              <a:prstGeom prst="rect">
+                <a:avLst/>
+              </a:prstGeom>
+              <a:noFill/>
+            </p:spPr>
+            <p:txBody>
+              <a:bodyPr wrap="square" lIns="0" tIns="0" rIns="0" bIns="0" rtlCol="0">
+                <a:spAutoFit/>
+              </a:bodyPr>
+              <a:lstStyle/>
+              <a:p>
+                <a:pPr/>
+                <a14:m>
+                  <m:oMathPara xmlns:m="http://schemas.openxmlformats.org/officeDocument/2006/math">
+                    <m:oMathParaPr>
+                      <m:jc m:val="centerGroup"/>
+                    </m:oMathParaPr>
+                    <m:oMath xmlns:m="http://schemas.openxmlformats.org/officeDocument/2006/math">
+                      <m:r>
+                        <m:rPr>
+                          <m:sty m:val="p"/>
+                        </m:rPr>
+                        <a:rPr lang="en-US" sz="4200" b="0" i="0" smtClean="0">
+                          <a:latin typeface="Cambria Math" panose="02040503050406030204" pitchFamily="18" charset="0"/>
+                        </a:rPr>
+                        <m:t>x</m:t>
+                      </m:r>
+                    </m:oMath>
+                  </m:oMathPara>
+                </a14:m>
+                <a:endParaRPr lang="pt-PT" sz="4200" dirty="0"/>
+              </a:p>
+            </p:txBody>
+          </p:sp>
+        </mc:Choice>
+        <mc:Fallback>
+          <p:sp>
+            <p:nvSpPr>
+              <p:cNvPr id="18" name="TextBox 17"/>
+              <p:cNvSpPr txBox="1">
+                <a:spLocks noRot="1" noChangeAspect="1" noMove="1" noResize="1" noEditPoints="1" noAdjustHandles="1" noChangeArrowheads="1" noChangeShapeType="1" noTextEdit="1"/>
+              </p:cNvSpPr>
+              <p:nvPr/>
+            </p:nvSpPr>
+            <p:spPr>
+              <a:xfrm>
+                <a:off x="10007806" y="1722839"/>
+                <a:ext cx="315236" cy="646331"/>
+              </a:xfrm>
+              <a:prstGeom prst="rect">
+                <a:avLst/>
+              </a:prstGeom>
+              <a:blipFill>
+                <a:blip r:embed="rId9"/>
+                <a:stretch>
+                  <a:fillRect/>
+                </a:stretch>
+              </a:blipFill>
+            </p:spPr>
+            <p:txBody>
+              <a:bodyPr/>
+              <a:lstStyle/>
+              <a:p>
+                <a:r>
+                  <a:rPr lang="en-US">
+                    <a:noFill/>
+                  </a:rPr>
+                  <a:t> </a:t>
+                </a:r>
+              </a:p>
+            </p:txBody>
+          </p:sp>
+        </mc:Fallback>
+      </mc:AlternateContent>
+      <mc:AlternateContent xmlns:mc="http://schemas.openxmlformats.org/markup-compatibility/2006">
+        <mc:Choice xmlns:a14="http://schemas.microsoft.com/office/drawing/2010/main" Requires="a14">
+          <p:sp>
+            <p:nvSpPr>
+              <p:cNvPr id="19" name="TextBox 18"/>
+              <p:cNvSpPr txBox="1"/>
+              <p:nvPr/>
+            </p:nvSpPr>
+            <p:spPr>
+              <a:xfrm>
+                <a:off x="10007806" y="4066376"/>
+                <a:ext cx="315236" cy="646331"/>
+              </a:xfrm>
+              <a:prstGeom prst="rect">
+                <a:avLst/>
+              </a:prstGeom>
+              <a:noFill/>
+            </p:spPr>
+            <p:txBody>
+              <a:bodyPr wrap="square" lIns="0" tIns="0" rIns="0" bIns="0" rtlCol="0">
+                <a:spAutoFit/>
+              </a:bodyPr>
+              <a:lstStyle/>
+              <a:p>
+                <a:pPr/>
+                <a14:m>
+                  <m:oMathPara xmlns:m="http://schemas.openxmlformats.org/officeDocument/2006/math">
+                    <m:oMathParaPr>
+                      <m:jc m:val="centerGroup"/>
+                    </m:oMathParaPr>
+                    <m:oMath xmlns:m="http://schemas.openxmlformats.org/officeDocument/2006/math">
+                      <m:r>
+                        <m:rPr>
+                          <m:sty m:val="p"/>
+                        </m:rPr>
+                        <a:rPr lang="en-US" sz="4200" b="0" i="0" smtClean="0">
+                          <a:latin typeface="Cambria Math" panose="02040503050406030204" pitchFamily="18" charset="0"/>
+                        </a:rPr>
+                        <m:t>x</m:t>
+                      </m:r>
+                    </m:oMath>
+                  </m:oMathPara>
+                </a14:m>
+                <a:endParaRPr lang="pt-PT" sz="4200" dirty="0"/>
+              </a:p>
+            </p:txBody>
+          </p:sp>
+        </mc:Choice>
+        <mc:Fallback>
+          <p:sp>
+            <p:nvSpPr>
+              <p:cNvPr id="19" name="TextBox 18"/>
+              <p:cNvSpPr txBox="1">
+                <a:spLocks noRot="1" noChangeAspect="1" noMove="1" noResize="1" noEditPoints="1" noAdjustHandles="1" noChangeArrowheads="1" noChangeShapeType="1" noTextEdit="1"/>
+              </p:cNvSpPr>
+              <p:nvPr/>
+            </p:nvSpPr>
+            <p:spPr>
+              <a:xfrm>
+                <a:off x="10007806" y="4066376"/>
+                <a:ext cx="315236" cy="646331"/>
+              </a:xfrm>
+              <a:prstGeom prst="rect">
+                <a:avLst/>
+              </a:prstGeom>
+              <a:blipFill>
+                <a:blip r:embed="rId10"/>
                 <a:stretch>
                   <a:fillRect/>
                 </a:stretch>
